--- a/Unit 4/6371 FLS Unit 4.pptx
+++ b/Unit 4/6371 FLS Unit 4.pptx
@@ -239,7 +239,7 @@
           <a:p>
             <a:fld id="{28570D6A-FB49-A14C-9B03-21B3417100CD}" type="datetimeFigureOut">
               <a:rPr lang="en-US" smtClean="0"/>
-              <a:t>1/21/21</a:t>
+              <a:t>1/25/21</a:t>
             </a:fld>
             <a:endParaRPr lang="en-US" dirty="0"/>
           </a:p>
@@ -2731,7 +2731,89 @@
                 </a14:m>
                 <a:r>
                   <a:rPr lang="en-US" sz="1650" dirty="0"/>
-                  <a:t> seconds? Researchers believe that Ritalin will significantly impair driving if it slows reaction time by .07 seconds or more on average. What is the power of this test if the actual mean difference in reaction times is -.07 seconds. Also, draw and shade this scenario.</a:t>
+                  <a:t> seconds? Researchers believe that Ritalin will significantly impair driving if it slows reaction time by .07 seconds or more on average. What is the power of this test if the actual mean difference in reaction times is -.07 seconds (Assume </a:t>
+                </a:r>
+                <a14:m>
+                  <m:oMath xmlns:m="http://schemas.openxmlformats.org/officeDocument/2006/math">
+                    <m:r>
+                      <a:rPr lang="en-US" sz="1650" i="1">
+                        <a:latin typeface="Cambria Math" panose="02040503050406030204" pitchFamily="18" charset="0"/>
+                      </a:rPr>
+                      <m:t>𝐻𝑜</m:t>
+                    </m:r>
+                    <m:r>
+                      <a:rPr lang="en-US" sz="1650" i="1">
+                        <a:latin typeface="Cambria Math" panose="02040503050406030204" pitchFamily="18" charset="0"/>
+                      </a:rPr>
+                      <m:t>:</m:t>
+                    </m:r>
+                    <m:sSub>
+                      <m:sSubPr>
+                        <m:ctrlPr>
+                          <a:rPr lang="en-US" sz="1650" i="1">
+                            <a:latin typeface="Cambria Math" panose="02040503050406030204" pitchFamily="18" charset="0"/>
+                          </a:rPr>
+                        </m:ctrlPr>
+                      </m:sSubPr>
+                      <m:e>
+                        <m:r>
+                          <a:rPr lang="en-US" sz="1650" i="1">
+                            <a:latin typeface="Cambria Math" panose="02040503050406030204" pitchFamily="18" charset="0"/>
+                          </a:rPr>
+                          <m:t>𝜇</m:t>
+                        </m:r>
+                      </m:e>
+                      <m:sub>
+                        <m:r>
+                          <a:rPr lang="en-US" sz="1650" i="1">
+                            <a:latin typeface="Cambria Math" panose="02040503050406030204" pitchFamily="18" charset="0"/>
+                          </a:rPr>
+                          <m:t>𝑃𝑙𝑎𝑐𝑒𝑏𝑜</m:t>
+                        </m:r>
+                      </m:sub>
+                    </m:sSub>
+                    <m:r>
+                      <a:rPr lang="en-US" sz="1650" i="1">
+                        <a:latin typeface="Cambria Math" panose="02040503050406030204" pitchFamily="18" charset="0"/>
+                      </a:rPr>
+                      <m:t>−</m:t>
+                    </m:r>
+                    <m:sSub>
+                      <m:sSubPr>
+                        <m:ctrlPr>
+                          <a:rPr lang="en-US" sz="1650" i="1">
+                            <a:latin typeface="Cambria Math" panose="02040503050406030204" pitchFamily="18" charset="0"/>
+                          </a:rPr>
+                        </m:ctrlPr>
+                      </m:sSubPr>
+                      <m:e>
+                        <m:r>
+                          <a:rPr lang="en-US" sz="1650" i="1">
+                            <a:latin typeface="Cambria Math" panose="02040503050406030204" pitchFamily="18" charset="0"/>
+                          </a:rPr>
+                          <m:t>𝜇</m:t>
+                        </m:r>
+                      </m:e>
+                      <m:sub>
+                        <m:r>
+                          <a:rPr lang="en-US" sz="1650" i="1">
+                            <a:latin typeface="Cambria Math" panose="02040503050406030204" pitchFamily="18" charset="0"/>
+                          </a:rPr>
+                          <m:t>𝑅𝑖𝑡𝑎𝑙𝑖𝑛</m:t>
+                        </m:r>
+                      </m:sub>
+                    </m:sSub>
+                    <m:r>
+                      <a:rPr lang="en-US" sz="1650" i="1">
+                        <a:latin typeface="Cambria Math" panose="02040503050406030204" pitchFamily="18" charset="0"/>
+                      </a:rPr>
+                      <m:t>=0</m:t>
+                    </m:r>
+                  </m:oMath>
+                </a14:m>
+                <a:r>
+                  <a:rPr lang="en-US" sz="1650" dirty="0"/>
+                  <a:t>. Also, draw and shade this scenario.</a:t>
                 </a:r>
               </a:p>
               <a:p>
@@ -3096,8 +3178,8 @@
           <a:chExt cx="0" cy="0"/>
         </a:xfrm>
       </p:grpSpPr>
-      <mc:AlternateContent xmlns:mc="http://schemas.openxmlformats.org/markup-compatibility/2006">
-        <mc:Choice xmlns:a14="http://schemas.microsoft.com/office/drawing/2010/main" Requires="a14">
+      <mc:AlternateContent xmlns:mc="http://schemas.openxmlformats.org/markup-compatibility/2006" xmlns:a14="http://schemas.microsoft.com/office/drawing/2010/main">
+        <mc:Choice Requires="a14">
           <p:sp>
             <p:nvSpPr>
               <p:cNvPr id="2" name="Title 1"/>
@@ -3163,7 +3245,7 @@
             </p:txBody>
           </p:sp>
         </mc:Choice>
-        <mc:Fallback>
+        <mc:Fallback xmlns="">
           <p:sp>
             <p:nvSpPr>
               <p:cNvPr id="2" name="Title 1"/>
@@ -3826,7 +3908,7 @@
             <a:pPr algn="l"/>
             <a:r>
               <a:rPr lang="en-US" dirty="0"/>
-              <a:t>Question 4: Takeaways!</a:t>
+              <a:t>Question 5: Takeaways!</a:t>
             </a:r>
           </a:p>
         </p:txBody>
@@ -3955,7 +4037,7 @@
             <a:pPr algn="l"/>
             <a:r>
               <a:rPr lang="en-US" dirty="0"/>
-              <a:t>Question 5: Questions!</a:t>
+              <a:t>Question 6: Questions!</a:t>
             </a:r>
           </a:p>
         </p:txBody>
@@ -5554,8 +5636,8 @@
           </a:p>
         </p:txBody>
       </p:sp>
-      <mc:AlternateContent xmlns:mc="http://schemas.openxmlformats.org/markup-compatibility/2006">
-        <mc:Choice xmlns:a14="http://schemas.microsoft.com/office/drawing/2010/main" Requires="a14">
+      <mc:AlternateContent xmlns:mc="http://schemas.openxmlformats.org/markup-compatibility/2006" xmlns:a14="http://schemas.microsoft.com/office/drawing/2010/main">
+        <mc:Choice Requires="a14">
           <p:sp>
             <p:nvSpPr>
               <p:cNvPr id="9" name="TextBox 8">
@@ -5584,6 +5666,7 @@
               </a:bodyPr>
               <a:lstStyle/>
               <a:p>
+                <a:pPr/>
                 <a14:m>
                   <m:oMathPara xmlns:m="http://schemas.openxmlformats.org/officeDocument/2006/math">
                     <m:oMathParaPr>
@@ -5622,7 +5705,7 @@
             </p:txBody>
           </p:sp>
         </mc:Choice>
-        <mc:Fallback>
+        <mc:Fallback xmlns="">
           <p:sp>
             <p:nvSpPr>
               <p:cNvPr id="9" name="TextBox 8">
@@ -5667,8 +5750,8 @@
           </p:sp>
         </mc:Fallback>
       </mc:AlternateContent>
-      <mc:AlternateContent xmlns:mc="http://schemas.openxmlformats.org/markup-compatibility/2006">
-        <mc:Choice xmlns:a14="http://schemas.microsoft.com/office/drawing/2010/main" Requires="a14">
+      <mc:AlternateContent xmlns:mc="http://schemas.openxmlformats.org/markup-compatibility/2006" xmlns:a14="http://schemas.microsoft.com/office/drawing/2010/main">
+        <mc:Choice Requires="a14">
           <p:sp>
             <p:nvSpPr>
               <p:cNvPr id="10" name="TextBox 9">
@@ -5697,6 +5780,7 @@
               </a:bodyPr>
               <a:lstStyle/>
               <a:p>
+                <a:pPr/>
                 <a14:m>
                   <m:oMathPara xmlns:m="http://schemas.openxmlformats.org/officeDocument/2006/math">
                     <m:oMathParaPr>
@@ -5735,7 +5819,7 @@
             </p:txBody>
           </p:sp>
         </mc:Choice>
-        <mc:Fallback>
+        <mc:Fallback xmlns="">
           <p:sp>
             <p:nvSpPr>
               <p:cNvPr id="10" name="TextBox 9">
@@ -5780,8 +5864,8 @@
           </p:sp>
         </mc:Fallback>
       </mc:AlternateContent>
-      <mc:AlternateContent xmlns:mc="http://schemas.openxmlformats.org/markup-compatibility/2006">
-        <mc:Choice xmlns:a14="http://schemas.microsoft.com/office/drawing/2010/main" Requires="a14">
+      <mc:AlternateContent xmlns:mc="http://schemas.openxmlformats.org/markup-compatibility/2006" xmlns:a14="http://schemas.microsoft.com/office/drawing/2010/main">
+        <mc:Choice Requires="a14">
           <p:sp>
             <p:nvSpPr>
               <p:cNvPr id="11" name="TextBox 10">
@@ -5838,7 +5922,7 @@
             </p:txBody>
           </p:sp>
         </mc:Choice>
-        <mc:Fallback>
+        <mc:Fallback xmlns="">
           <p:sp>
             <p:nvSpPr>
               <p:cNvPr id="11" name="TextBox 10">
@@ -5883,8 +5967,8 @@
           </p:sp>
         </mc:Fallback>
       </mc:AlternateContent>
-      <mc:AlternateContent xmlns:mc="http://schemas.openxmlformats.org/markup-compatibility/2006">
-        <mc:Choice xmlns:a14="http://schemas.microsoft.com/office/drawing/2010/main" Requires="a14">
+      <mc:AlternateContent xmlns:mc="http://schemas.openxmlformats.org/markup-compatibility/2006" xmlns:a14="http://schemas.microsoft.com/office/drawing/2010/main">
+        <mc:Choice Requires="a14">
           <p:sp>
             <p:nvSpPr>
               <p:cNvPr id="13" name="TextBox 12">
@@ -5913,6 +5997,7 @@
               </a:bodyPr>
               <a:lstStyle/>
               <a:p>
+                <a:pPr/>
                 <a14:m>
                   <m:oMathPara xmlns:m="http://schemas.openxmlformats.org/officeDocument/2006/math">
                     <m:oMathParaPr>
@@ -5939,7 +6024,7 @@
             </p:txBody>
           </p:sp>
         </mc:Choice>
-        <mc:Fallback>
+        <mc:Fallback xmlns="">
           <p:sp>
             <p:nvSpPr>
               <p:cNvPr id="13" name="TextBox 12">

--- a/Unit 4/6371 FLS Unit 4.pptx
+++ b/Unit 4/6371 FLS Unit 4.pptx
@@ -5,7 +5,7 @@
     <p:sldMasterId id="2147483693" r:id="rId1"/>
   </p:sldMasterIdLst>
   <p:notesMasterIdLst>
-    <p:notesMasterId r:id="rId19"/>
+    <p:notesMasterId r:id="rId20"/>
   </p:notesMasterIdLst>
   <p:sldIdLst>
     <p:sldId id="270" r:id="rId2"/>
@@ -24,12 +24,13 @@
     <p:sldId id="497" r:id="rId15"/>
     <p:sldId id="334" r:id="rId16"/>
     <p:sldId id="336" r:id="rId17"/>
-    <p:sldId id="413" r:id="rId18"/>
+    <p:sldId id="526" r:id="rId18"/>
+    <p:sldId id="413" r:id="rId19"/>
   </p:sldIdLst>
   <p:sldSz cx="12192000" cy="6858000"/>
   <p:notesSz cx="6858000" cy="9144000"/>
   <p:custDataLst>
-    <p:tags r:id="rId20"/>
+    <p:tags r:id="rId21"/>
   </p:custDataLst>
   <p:defaultTextStyle>
     <a:defPPr>
@@ -239,7 +240,7 @@
           <a:p>
             <a:fld id="{28570D6A-FB49-A14C-9B03-21B3417100CD}" type="datetimeFigureOut">
               <a:rPr lang="en-US" smtClean="0"/>
-              <a:t>1/25/21</a:t>
+              <a:t>1/28/21</a:t>
             </a:fld>
             <a:endParaRPr lang="en-US" dirty="0"/>
           </a:p>
@@ -2736,13 +2737,13 @@
                 <a14:m>
                   <m:oMath xmlns:m="http://schemas.openxmlformats.org/officeDocument/2006/math">
                     <m:r>
-                      <a:rPr lang="en-US" sz="1650" i="1">
+                      <a:rPr lang="en-US" sz="1650" b="0" i="1" smtClean="0">
                         <a:latin typeface="Cambria Math" panose="02040503050406030204" pitchFamily="18" charset="0"/>
                       </a:rPr>
                       <m:t>𝐻𝑜</m:t>
                     </m:r>
                     <m:r>
-                      <a:rPr lang="en-US" sz="1650" i="1">
+                      <a:rPr lang="en-US" sz="1650" b="0" i="1" smtClean="0">
                         <a:latin typeface="Cambria Math" panose="02040503050406030204" pitchFamily="18" charset="0"/>
                       </a:rPr>
                       <m:t>:</m:t>
@@ -2750,14 +2751,14 @@
                     <m:sSub>
                       <m:sSubPr>
                         <m:ctrlPr>
-                          <a:rPr lang="en-US" sz="1650" i="1">
+                          <a:rPr lang="en-US" sz="1650" b="0" i="1" smtClean="0">
                             <a:latin typeface="Cambria Math" panose="02040503050406030204" pitchFamily="18" charset="0"/>
                           </a:rPr>
                         </m:ctrlPr>
                       </m:sSubPr>
                       <m:e>
                         <m:r>
-                          <a:rPr lang="en-US" sz="1650" i="1">
+                          <a:rPr lang="en-US" sz="1650" b="0" i="1" smtClean="0">
                             <a:latin typeface="Cambria Math" panose="02040503050406030204" pitchFamily="18" charset="0"/>
                           </a:rPr>
                           <m:t>𝜇</m:t>
@@ -2765,7 +2766,7 @@
                       </m:e>
                       <m:sub>
                         <m:r>
-                          <a:rPr lang="en-US" sz="1650" i="1">
+                          <a:rPr lang="en-US" sz="1650" b="0" i="1" smtClean="0">
                             <a:latin typeface="Cambria Math" panose="02040503050406030204" pitchFamily="18" charset="0"/>
                           </a:rPr>
                           <m:t>𝑃𝑙𝑎𝑐𝑒𝑏𝑜</m:t>
@@ -2773,7 +2774,7 @@
                       </m:sub>
                     </m:sSub>
                     <m:r>
-                      <a:rPr lang="en-US" sz="1650" i="1">
+                      <a:rPr lang="en-US" sz="1650" b="0" i="1" smtClean="0">
                         <a:latin typeface="Cambria Math" panose="02040503050406030204" pitchFamily="18" charset="0"/>
                       </a:rPr>
                       <m:t>−</m:t>
@@ -2781,14 +2782,14 @@
                     <m:sSub>
                       <m:sSubPr>
                         <m:ctrlPr>
-                          <a:rPr lang="en-US" sz="1650" i="1">
+                          <a:rPr lang="en-US" sz="1650" b="0" i="1" smtClean="0">
                             <a:latin typeface="Cambria Math" panose="02040503050406030204" pitchFamily="18" charset="0"/>
                           </a:rPr>
                         </m:ctrlPr>
                       </m:sSubPr>
                       <m:e>
                         <m:r>
-                          <a:rPr lang="en-US" sz="1650" i="1">
+                          <a:rPr lang="en-US" sz="1650" b="0" i="1" smtClean="0">
                             <a:latin typeface="Cambria Math" panose="02040503050406030204" pitchFamily="18" charset="0"/>
                           </a:rPr>
                           <m:t>𝜇</m:t>
@@ -2796,7 +2797,7 @@
                       </m:e>
                       <m:sub>
                         <m:r>
-                          <a:rPr lang="en-US" sz="1650" i="1">
+                          <a:rPr lang="en-US" sz="1650" b="0" i="1" smtClean="0">
                             <a:latin typeface="Cambria Math" panose="02040503050406030204" pitchFamily="18" charset="0"/>
                           </a:rPr>
                           <m:t>𝑅𝑖𝑡𝑎𝑙𝑖𝑛</m:t>
@@ -2804,7 +2805,7 @@
                       </m:sub>
                     </m:sSub>
                     <m:r>
-                      <a:rPr lang="en-US" sz="1650" i="1">
+                      <a:rPr lang="en-US" sz="1650" b="0" i="1" smtClean="0">
                         <a:latin typeface="Cambria Math" panose="02040503050406030204" pitchFamily="18" charset="0"/>
                       </a:rPr>
                       <m:t>=0</m:t>
@@ -2813,7 +2814,15 @@
                 </a14:m>
                 <a:r>
                   <a:rPr lang="en-US" sz="1650" dirty="0"/>
-                  <a:t>. Also, draw and shade this scenario.</a:t>
+                  <a:t>. </a:t>
+                </a:r>
+                <a:r>
+                  <a:rPr lang="en-US" sz="1650" b="1" dirty="0"/>
+                  <a:t>Also, draw and shade this scenario</a:t>
+                </a:r>
+                <a:r>
+                  <a:rPr lang="en-US" sz="1650" dirty="0"/>
+                  <a:t>.</a:t>
                 </a:r>
               </a:p>
               <a:p>
@@ -4147,6 +4156,120 @@
           <p:cNvPr id="2" name="Title 1">
             <a:extLst>
               <a:ext uri="{FF2B5EF4-FFF2-40B4-BE49-F238E27FC236}">
+                <a16:creationId xmlns:a16="http://schemas.microsoft.com/office/drawing/2014/main" id="{15AA263F-DF77-484F-95D7-2418A3C1B3BA}"/>
+              </a:ext>
+            </a:extLst>
+          </p:cNvPr>
+          <p:cNvSpPr>
+            <a:spLocks noGrp="1"/>
+          </p:cNvSpPr>
+          <p:nvPr>
+            <p:ph type="title"/>
+          </p:nvPr>
+        </p:nvSpPr>
+        <p:spPr/>
+        <p:txBody>
+          <a:bodyPr/>
+          <a:lstStyle/>
+          <a:p>
+            <a:r>
+              <a:rPr lang="en-US" dirty="0"/>
+              <a:t>Useful Resources</a:t>
+            </a:r>
+          </a:p>
+        </p:txBody>
+      </p:sp>
+      <p:sp>
+        <p:nvSpPr>
+          <p:cNvPr id="3" name="Content Placeholder 2">
+            <a:extLst>
+              <a:ext uri="{FF2B5EF4-FFF2-40B4-BE49-F238E27FC236}">
+                <a16:creationId xmlns:a16="http://schemas.microsoft.com/office/drawing/2014/main" id="{1875C429-4323-234C-B478-15E1F2AF4390}"/>
+              </a:ext>
+            </a:extLst>
+          </p:cNvPr>
+          <p:cNvSpPr>
+            <a:spLocks noGrp="1"/>
+          </p:cNvSpPr>
+          <p:nvPr>
+            <p:ph idx="1"/>
+          </p:nvPr>
+        </p:nvSpPr>
+        <p:spPr/>
+        <p:txBody>
+          <a:bodyPr/>
+          <a:lstStyle/>
+          <a:p>
+            <a:r>
+              <a:rPr lang="en-US" dirty="0"/>
+              <a:t>SAS proc Power Info</a:t>
+            </a:r>
+          </a:p>
+          <a:p>
+            <a:pPr lvl="1"/>
+            <a:r>
+              <a:rPr lang="en-US" sz="2400" dirty="0"/>
+              <a:t>https://</a:t>
+            </a:r>
+            <a:r>
+              <a:rPr lang="en-US" sz="2400" dirty="0" err="1"/>
+              <a:t>support.sas.com</a:t>
+            </a:r>
+            <a:r>
+              <a:rPr lang="en-US" sz="2400" dirty="0"/>
+              <a:t>/documentation/</a:t>
+            </a:r>
+            <a:r>
+              <a:rPr lang="en-US" sz="2400" dirty="0" err="1"/>
+              <a:t>onlinedoc</a:t>
+            </a:r>
+            <a:r>
+              <a:rPr lang="en-US" sz="2400" dirty="0"/>
+              <a:t>/stat/141/</a:t>
+            </a:r>
+            <a:r>
+              <a:rPr lang="en-US" sz="2400" dirty="0" err="1"/>
+              <a:t>power.pdf</a:t>
+            </a:r>
+            <a:endParaRPr lang="en-US" sz="2400" dirty="0"/>
+          </a:p>
+        </p:txBody>
+      </p:sp>
+    </p:spTree>
+    <p:extLst>
+      <p:ext uri="{BB962C8B-B14F-4D97-AF65-F5344CB8AC3E}">
+        <p14:creationId xmlns:p14="http://schemas.microsoft.com/office/powerpoint/2010/main" val="831829295"/>
+      </p:ext>
+    </p:extLst>
+  </p:cSld>
+  <p:clrMapOvr>
+    <a:masterClrMapping/>
+  </p:clrMapOvr>
+</p:sld>
+</file>
+
+<file path=ppt/slides/slide18.xml><?xml version="1.0" encoding="utf-8"?>
+<p:sld xmlns:a="http://schemas.openxmlformats.org/drawingml/2006/main" xmlns:r="http://schemas.openxmlformats.org/officeDocument/2006/relationships" xmlns:p="http://schemas.openxmlformats.org/presentationml/2006/main">
+  <p:cSld>
+    <p:spTree>
+      <p:nvGrpSpPr>
+        <p:cNvPr id="1" name=""/>
+        <p:cNvGrpSpPr/>
+        <p:nvPr/>
+      </p:nvGrpSpPr>
+      <p:grpSpPr>
+        <a:xfrm>
+          <a:off x="0" y="0"/>
+          <a:ext cx="0" cy="0"/>
+          <a:chOff x="0" y="0"/>
+          <a:chExt cx="0" cy="0"/>
+        </a:xfrm>
+      </p:grpSpPr>
+      <p:sp>
+        <p:nvSpPr>
+          <p:cNvPr id="2" name="Title 1">
+            <a:extLst>
+              <a:ext uri="{FF2B5EF4-FFF2-40B4-BE49-F238E27FC236}">
                 <a16:creationId xmlns:a16="http://schemas.microsoft.com/office/drawing/2014/main" id="{D1B1C948-A4A3-5946-B047-076635D43652}"/>
               </a:ext>
             </a:extLst>
@@ -4307,7 +4430,7 @@
               <a:pPr>
                 <a:defRPr/>
               </a:pPr>
-              <a:t>17</a:t>
+              <a:t>18</a:t>
             </a:fld>
             <a:endParaRPr lang="en-US" altLang="en-US" dirty="0"/>
           </a:p>
@@ -4851,41 +4974,6 @@
           </a:graphicData>
         </a:graphic>
       </p:graphicFrame>
-      <p:sp>
-        <p:nvSpPr>
-          <p:cNvPr id="7" name="TextBox 6">
-            <a:extLst>
-              <a:ext uri="{FF2B5EF4-FFF2-40B4-BE49-F238E27FC236}">
-                <a16:creationId xmlns:a16="http://schemas.microsoft.com/office/drawing/2014/main" id="{971158B7-74FE-F840-AC70-5DE308B3836D}"/>
-              </a:ext>
-            </a:extLst>
-          </p:cNvPr>
-          <p:cNvSpPr txBox="1"/>
-          <p:nvPr/>
-        </p:nvSpPr>
-        <p:spPr>
-          <a:xfrm>
-            <a:off x="2628900" y="5193740"/>
-            <a:ext cx="6934200" cy="369332"/>
-          </a:xfrm>
-          <a:prstGeom prst="rect">
-            <a:avLst/>
-          </a:prstGeom>
-          <a:noFill/>
-        </p:spPr>
-        <p:txBody>
-          <a:bodyPr wrap="square" rtlCol="0">
-            <a:spAutoFit/>
-          </a:bodyPr>
-          <a:lstStyle/>
-          <a:p>
-            <a:r>
-              <a:rPr lang="en-US" dirty="0"/>
-              <a:t>Answers:  1.___.  2. ____  3.____  4.____  5. ____</a:t>
-            </a:r>
-          </a:p>
-        </p:txBody>
-      </p:sp>
     </p:spTree>
     <p:extLst>
       <p:ext uri="{BB962C8B-B14F-4D97-AF65-F5344CB8AC3E}">
